--- a/P0 Projekt - RoboCup.pptx
+++ b/P0 Projekt - RoboCup.pptx
@@ -10,7 +10,10 @@
     <p:sldId id="258" r:id="rId4"/>
     <p:sldId id="259" r:id="rId5"/>
     <p:sldId id="260" r:id="rId6"/>
-    <p:sldId id="261" r:id="rId7"/>
+    <p:sldId id="262" r:id="rId7"/>
+    <p:sldId id="263" r:id="rId8"/>
+    <p:sldId id="264" r:id="rId9"/>
+    <p:sldId id="261" r:id="rId10"/>
   </p:sldIdLst>
   <p:sldSz cx="12192000" cy="6858000"/>
   <p:notesSz cx="6858000" cy="9144000"/>
@@ -109,6 +112,11 @@
       </a:defRPr>
     </a:lvl9pPr>
   </p:defaultTextStyle>
+  <p:extLst>
+    <p:ext uri="{EFAFB233-063F-42B5-8137-9DF3F51BA10A}">
+      <p15:sldGuideLst xmlns:p15="http://schemas.microsoft.com/office/powerpoint/2012/main"/>
+    </p:ext>
+  </p:extLst>
 </p:presentation>
 </file>
 
@@ -621,7 +629,7 @@
             <a:fld id="{E9462EF3-3C4F-43EE-ACEE-D4B806740EA3}" type="datetimeFigureOut">
               <a:rPr lang="en-US" dirty="0"/>
               <a:pPr/>
-              <a:t>9/23/2015</a:t>
+              <a:t>9/24/2015</a:t>
             </a:fld>
             <a:endParaRPr lang="en-US" dirty="0"/>
           </a:p>
@@ -1603,7 +1611,7 @@
           <a:p>
             <a:fld id="{36343B39-165A-4B68-AA5C-581F5336313C}" type="datetimeFigureOut">
               <a:rPr lang="en-US" dirty="0"/>
-              <a:t>9/23/2015</a:t>
+              <a:t>9/24/2015</a:t>
             </a:fld>
             <a:endParaRPr lang="en-US" dirty="0"/>
           </a:p>
@@ -2473,7 +2481,7 @@
           <a:p>
             <a:fld id="{942C8C57-33F9-4259-AC4F-0E3F5BEC9B94}" type="datetimeFigureOut">
               <a:rPr lang="en-US" dirty="0"/>
-              <a:t>9/23/2015</a:t>
+              <a:t>9/24/2015</a:t>
             </a:fld>
             <a:endParaRPr lang="en-US" dirty="0"/>
           </a:p>
@@ -3494,7 +3502,7 @@
           <a:p>
             <a:fld id="{8748772B-8FA2-401F-A0A1-A59855EDBC3E}" type="datetimeFigureOut">
               <a:rPr lang="en-US" dirty="0"/>
-              <a:t>9/23/2015</a:t>
+              <a:t>9/24/2015</a:t>
             </a:fld>
             <a:endParaRPr lang="en-US" dirty="0"/>
           </a:p>
@@ -4414,7 +4422,7 @@
           <a:p>
             <a:fld id="{D3DD5BDE-5A90-4611-82E9-0FC5746D30C5}" type="datetimeFigureOut">
               <a:rPr lang="en-US" dirty="0"/>
-              <a:t>9/23/2015</a:t>
+              <a:t>9/24/2015</a:t>
             </a:fld>
             <a:endParaRPr lang="en-US" dirty="0"/>
           </a:p>
@@ -5070,7 +5078,7 @@
           <a:p>
             <a:fld id="{1ADDA17D-0BEA-4E76-A7FC-F7C188BC48D1}" type="datetimeFigureOut">
               <a:rPr lang="en-US" dirty="0"/>
-              <a:t>9/23/2015</a:t>
+              <a:t>9/24/2015</a:t>
             </a:fld>
             <a:endParaRPr lang="en-US" dirty="0"/>
           </a:p>
@@ -5927,7 +5935,7 @@
           <a:p>
             <a:fld id="{6909AC7D-18CA-4236-82B9-D75EB1D66EAE}" type="datetimeFigureOut">
               <a:rPr lang="en-US" dirty="0"/>
-              <a:t>9/23/2015</a:t>
+              <a:t>9/24/2015</a:t>
             </a:fld>
             <a:endParaRPr lang="en-US" dirty="0"/>
           </a:p>
@@ -6110,7 +6118,7 @@
           <a:p>
             <a:fld id="{5568300E-C023-45CD-A0BE-EDB7A8C6EA8B}" type="datetimeFigureOut">
               <a:rPr lang="en-US" dirty="0"/>
-              <a:t>9/23/2015</a:t>
+              <a:t>9/24/2015</a:t>
             </a:fld>
             <a:endParaRPr lang="en-US" dirty="0"/>
           </a:p>
@@ -6967,7 +6975,7 @@
           <a:p>
             <a:fld id="{3B620EAD-E369-4933-8469-ED7764B56A1B}" type="datetimeFigureOut">
               <a:rPr lang="en-US" dirty="0"/>
-              <a:t>9/23/2015</a:t>
+              <a:t>9/24/2015</a:t>
             </a:fld>
             <a:endParaRPr lang="en-US" dirty="0"/>
           </a:p>
@@ -7186,7 +7194,7 @@
           <a:p>
             <a:fld id="{076C0EF2-9919-473B-8215-8616BAF10692}" type="datetimeFigureOut">
               <a:rPr lang="en-US" dirty="0"/>
-              <a:t>9/23/2015</a:t>
+              <a:t>9/24/2015</a:t>
             </a:fld>
             <a:endParaRPr lang="en-US" dirty="0"/>
           </a:p>
@@ -8111,7 +8119,7 @@
           <a:p>
             <a:fld id="{A09472EB-AC54-4713-BFC2-BEB621108C63}" type="datetimeFigureOut">
               <a:rPr lang="en-US" dirty="0"/>
-              <a:t>9/23/2015</a:t>
+              <a:t>9/24/2015</a:t>
             </a:fld>
             <a:endParaRPr lang="en-US" dirty="0"/>
           </a:p>
@@ -8395,7 +8403,7 @@
           <a:p>
             <a:fld id="{99455A0C-791E-4545-B787-F98AD45CD761}" type="datetimeFigureOut">
               <a:rPr lang="en-US" dirty="0"/>
-              <a:t>9/23/2015</a:t>
+              <a:t>9/24/2015</a:t>
             </a:fld>
             <a:endParaRPr lang="en-US" dirty="0"/>
           </a:p>
@@ -8785,7 +8793,7 @@
           <a:p>
             <a:fld id="{42536B77-F4F4-4427-AC4F-9A623798AD82}" type="datetimeFigureOut">
               <a:rPr lang="en-US" dirty="0"/>
-              <a:t>9/23/2015</a:t>
+              <a:t>9/24/2015</a:t>
             </a:fld>
             <a:endParaRPr lang="en-US" dirty="0"/>
           </a:p>
@@ -8911,7 +8919,7 @@
           <a:p>
             <a:fld id="{D8BE790C-34EB-4565-8437-CACF4CDB7822}" type="datetimeFigureOut">
               <a:rPr lang="en-US" dirty="0"/>
-              <a:t>9/23/2015</a:t>
+              <a:t>9/24/2015</a:t>
             </a:fld>
             <a:endParaRPr lang="en-US" dirty="0"/>
           </a:p>
@@ -9006,7 +9014,7 @@
           <a:p>
             <a:fld id="{F84A4C11-22B8-4A4E-8126-B3AF6B948A8E}" type="datetimeFigureOut">
               <a:rPr lang="en-US" dirty="0"/>
-              <a:t>9/23/2015</a:t>
+              <a:t>9/24/2015</a:t>
             </a:fld>
             <a:endParaRPr lang="en-US" dirty="0"/>
           </a:p>
@@ -9977,7 +9985,7 @@
           <a:p>
             <a:fld id="{16ED06B6-C816-4861-964D-15A98395707D}" type="datetimeFigureOut">
               <a:rPr lang="en-US" dirty="0"/>
-              <a:t>9/23/2015</a:t>
+              <a:t>9/24/2015</a:t>
             </a:fld>
             <a:endParaRPr lang="en-US" dirty="0"/>
           </a:p>
@@ -10972,7 +10980,7 @@
           <a:p>
             <a:fld id="{00B1A8AB-EA7C-4B1B-9D73-E2551851FABE}" type="datetimeFigureOut">
               <a:rPr lang="en-US" dirty="0"/>
-              <a:t>9/23/2015</a:t>
+              <a:t>9/24/2015</a:t>
             </a:fld>
             <a:endParaRPr lang="en-US" dirty="0"/>
           </a:p>
@@ -11856,7 +11864,7 @@
           <a:p>
             <a:fld id="{90786BE5-D2A3-4BF0-8B30-D7403E61B3DC}" type="datetimeFigureOut">
               <a:rPr lang="en-US" dirty="0"/>
-              <a:t>9/23/2015</a:t>
+              <a:t>9/24/2015</a:t>
             </a:fld>
             <a:endParaRPr lang="en-US" dirty="0"/>
           </a:p>
@@ -12849,6 +12857,13 @@
   <p:clrMapOvr>
     <a:masterClrMapping/>
   </p:clrMapOvr>
+  <p:timing>
+    <p:tnLst>
+      <p:par>
+        <p:cTn id="1" dur="indefinite" restart="never" nodeType="tmRoot"/>
+      </p:par>
+    </p:tnLst>
+  </p:timing>
 </p:sld>
 </file>
 
@@ -13021,6 +13036,13 @@
   <p:clrMapOvr>
     <a:masterClrMapping/>
   </p:clrMapOvr>
+  <p:timing>
+    <p:tnLst>
+      <p:par>
+        <p:cTn id="1" dur="indefinite" restart="never" nodeType="tmRoot"/>
+      </p:par>
+    </p:tnLst>
+  </p:timing>
 </p:sld>
 </file>
 
@@ -13048,7 +13070,7 @@
             <a:spLocks noGrp="1"/>
           </p:cNvSpPr>
           <p:nvPr>
-            <p:ph type="title"/>
+            <p:ph type="ctrTitle"/>
           </p:nvPr>
         </p:nvSpPr>
         <p:spPr/>
@@ -13071,50 +13093,16 @@
             <a:spLocks noGrp="1"/>
           </p:cNvSpPr>
           <p:nvPr>
-            <p:ph idx="1"/>
+            <p:ph type="subTitle" idx="1"/>
           </p:nvPr>
         </p:nvSpPr>
         <p:spPr/>
         <p:txBody>
-          <a:bodyPr/>
+          <a:bodyPr>
+            <a:normAutofit/>
+          </a:bodyPr>
           <a:lstStyle/>
           <a:p>
-            <a:r>
-              <a:rPr lang="en-GB" dirty="0" err="1" smtClean="0"/>
-              <a:t>Planlægning</a:t>
-            </a:r>
-            <a:endParaRPr lang="en-GB" dirty="0" smtClean="0"/>
-          </a:p>
-          <a:p>
-            <a:r>
-              <a:rPr lang="en-GB" dirty="0" err="1" smtClean="0"/>
-              <a:t>Samarbejdskontrakt</a:t>
-            </a:r>
-            <a:endParaRPr lang="en-GB" dirty="0" smtClean="0"/>
-          </a:p>
-          <a:p>
-            <a:r>
-              <a:rPr lang="en-GB" dirty="0" err="1" smtClean="0"/>
-              <a:t>Strukturering</a:t>
-            </a:r>
-            <a:r>
-              <a:rPr lang="en-GB" dirty="0" smtClean="0"/>
-              <a:t> </a:t>
-            </a:r>
-            <a:r>
-              <a:rPr lang="en-GB" dirty="0" err="1" smtClean="0"/>
-              <a:t>af</a:t>
-            </a:r>
-            <a:r>
-              <a:rPr lang="en-GB" dirty="0" smtClean="0"/>
-              <a:t> rapport</a:t>
-            </a:r>
-          </a:p>
-          <a:p>
-            <a:r>
-              <a:rPr lang="en-GB" dirty="0" err="1" smtClean="0"/>
-              <a:t>Arbejdsfordeling</a:t>
-            </a:r>
             <a:endParaRPr lang="en-GB" dirty="0"/>
           </a:p>
         </p:txBody>
@@ -13129,6 +13117,13 @@
   <p:clrMapOvr>
     <a:masterClrMapping/>
   </p:clrMapOvr>
+  <p:timing>
+    <p:tnLst>
+      <p:par>
+        <p:cTn id="1" dur="indefinite" restart="never" nodeType="tmRoot"/>
+      </p:par>
+    </p:tnLst>
+  </p:timing>
 </p:sld>
 </file>
 
@@ -13166,6 +13161,586 @@
           <a:p>
             <a:r>
               <a:rPr lang="en-GB" dirty="0" err="1" smtClean="0"/>
+              <a:t>Projektplanlægning</a:t>
+            </a:r>
+            <a:endParaRPr lang="en-GB" dirty="0"/>
+          </a:p>
+        </p:txBody>
+      </p:sp>
+      <p:pic>
+        <p:nvPicPr>
+          <p:cNvPr id="7" name="Content Placeholder 6"/>
+          <p:cNvPicPr>
+            <a:picLocks noGrp="1" noChangeAspect="1"/>
+          </p:cNvPicPr>
+          <p:nvPr>
+            <p:ph idx="1"/>
+          </p:nvPr>
+        </p:nvPicPr>
+        <p:blipFill>
+          <a:blip r:embed="rId2">
+            <a:extLst>
+              <a:ext uri="{28A0092B-C50C-407E-A947-70E740481C1C}">
+                <a14:useLocalDpi xmlns:a14="http://schemas.microsoft.com/office/drawing/2010/main" val="0"/>
+              </a:ext>
+            </a:extLst>
+          </a:blip>
+          <a:stretch>
+            <a:fillRect/>
+          </a:stretch>
+        </p:blipFill>
+        <p:spPr>
+          <a:xfrm>
+            <a:off x="3108960" y="2340526"/>
+            <a:ext cx="4747565" cy="4517474"/>
+          </a:xfrm>
+        </p:spPr>
+      </p:pic>
+      <p:pic>
+        <p:nvPicPr>
+          <p:cNvPr id="8" name="Picture 7"/>
+          <p:cNvPicPr>
+            <a:picLocks noChangeAspect="1"/>
+          </p:cNvPicPr>
+          <p:nvPr/>
+        </p:nvPicPr>
+        <p:blipFill>
+          <a:blip r:embed="rId3"/>
+          <a:stretch>
+            <a:fillRect/>
+          </a:stretch>
+        </p:blipFill>
+        <p:spPr>
+          <a:xfrm>
+            <a:off x="58522" y="3200834"/>
+            <a:ext cx="11993689" cy="2569564"/>
+          </a:xfrm>
+          <a:prstGeom prst="rect">
+            <a:avLst/>
+          </a:prstGeom>
+        </p:spPr>
+      </p:pic>
+    </p:spTree>
+    <p:extLst>
+      <p:ext uri="{BB962C8B-B14F-4D97-AF65-F5344CB8AC3E}">
+        <p14:creationId xmlns:p14="http://schemas.microsoft.com/office/powerpoint/2010/main" val="500986731"/>
+      </p:ext>
+    </p:extLst>
+  </p:cSld>
+  <p:clrMapOvr>
+    <a:masterClrMapping/>
+  </p:clrMapOvr>
+  <p:timing>
+    <p:tnLst>
+      <p:par>
+        <p:cTn id="1" dur="indefinite" restart="never" nodeType="tmRoot">
+          <p:childTnLst>
+            <p:seq concurrent="1" nextAc="seek">
+              <p:cTn id="2" dur="indefinite" nodeType="mainSeq">
+                <p:childTnLst>
+                  <p:par>
+                    <p:cTn id="3" fill="hold">
+                      <p:stCondLst>
+                        <p:cond delay="indefinite"/>
+                      </p:stCondLst>
+                      <p:childTnLst>
+                        <p:par>
+                          <p:cTn id="4" fill="hold">
+                            <p:stCondLst>
+                              <p:cond delay="0"/>
+                            </p:stCondLst>
+                            <p:childTnLst>
+                              <p:par>
+                                <p:cTn id="5" presetID="1" presetClass="entr" presetSubtype="0" fill="hold" nodeType="clickEffect">
+                                  <p:stCondLst>
+                                    <p:cond delay="0"/>
+                                  </p:stCondLst>
+                                  <p:childTnLst>
+                                    <p:set>
+                                      <p:cBhvr>
+                                        <p:cTn id="6" dur="1" fill="hold">
+                                          <p:stCondLst>
+                                            <p:cond delay="0"/>
+                                          </p:stCondLst>
+                                        </p:cTn>
+                                        <p:tgtEl>
+                                          <p:spTgt spid="8"/>
+                                        </p:tgtEl>
+                                        <p:attrNameLst>
+                                          <p:attrName>style.visibility</p:attrName>
+                                        </p:attrNameLst>
+                                      </p:cBhvr>
+                                      <p:to>
+                                        <p:strVal val="visible"/>
+                                      </p:to>
+                                    </p:set>
+                                  </p:childTnLst>
+                                </p:cTn>
+                              </p:par>
+                            </p:childTnLst>
+                          </p:cTn>
+                        </p:par>
+                      </p:childTnLst>
+                    </p:cTn>
+                  </p:par>
+                  <p:par>
+                    <p:cTn id="7" fill="hold">
+                      <p:stCondLst>
+                        <p:cond delay="indefinite"/>
+                      </p:stCondLst>
+                      <p:childTnLst>
+                        <p:par>
+                          <p:cTn id="8" fill="hold">
+                            <p:stCondLst>
+                              <p:cond delay="0"/>
+                            </p:stCondLst>
+                            <p:childTnLst>
+                              <p:par>
+                                <p:cTn id="9" presetID="1" presetClass="exit" presetSubtype="0" fill="hold" nodeType="clickEffect">
+                                  <p:stCondLst>
+                                    <p:cond delay="0"/>
+                                  </p:stCondLst>
+                                  <p:childTnLst>
+                                    <p:set>
+                                      <p:cBhvr>
+                                        <p:cTn id="10" dur="1" fill="hold">
+                                          <p:stCondLst>
+                                            <p:cond delay="0"/>
+                                          </p:stCondLst>
+                                        </p:cTn>
+                                        <p:tgtEl>
+                                          <p:spTgt spid="8"/>
+                                        </p:tgtEl>
+                                        <p:attrNameLst>
+                                          <p:attrName>style.visibility</p:attrName>
+                                        </p:attrNameLst>
+                                      </p:cBhvr>
+                                      <p:to>
+                                        <p:strVal val="hidden"/>
+                                      </p:to>
+                                    </p:set>
+                                  </p:childTnLst>
+                                </p:cTn>
+                              </p:par>
+                              <p:par>
+                                <p:cTn id="11" presetID="1" presetClass="entr" presetSubtype="0" fill="hold" nodeType="withEffect">
+                                  <p:stCondLst>
+                                    <p:cond delay="0"/>
+                                  </p:stCondLst>
+                                  <p:childTnLst>
+                                    <p:set>
+                                      <p:cBhvr>
+                                        <p:cTn id="12" dur="1" fill="hold">
+                                          <p:stCondLst>
+                                            <p:cond delay="0"/>
+                                          </p:stCondLst>
+                                        </p:cTn>
+                                        <p:tgtEl>
+                                          <p:spTgt spid="7"/>
+                                        </p:tgtEl>
+                                        <p:attrNameLst>
+                                          <p:attrName>style.visibility</p:attrName>
+                                        </p:attrNameLst>
+                                      </p:cBhvr>
+                                      <p:to>
+                                        <p:strVal val="visible"/>
+                                      </p:to>
+                                    </p:set>
+                                  </p:childTnLst>
+                                </p:cTn>
+                              </p:par>
+                            </p:childTnLst>
+                          </p:cTn>
+                        </p:par>
+                      </p:childTnLst>
+                    </p:cTn>
+                  </p:par>
+                </p:childTnLst>
+              </p:cTn>
+              <p:prevCondLst>
+                <p:cond evt="onPrev" delay="0">
+                  <p:tgtEl>
+                    <p:sldTgt/>
+                  </p:tgtEl>
+                </p:cond>
+              </p:prevCondLst>
+              <p:nextCondLst>
+                <p:cond evt="onNext" delay="0">
+                  <p:tgtEl>
+                    <p:sldTgt/>
+                  </p:tgtEl>
+                </p:cond>
+              </p:nextCondLst>
+            </p:seq>
+          </p:childTnLst>
+        </p:cTn>
+      </p:par>
+    </p:tnLst>
+  </p:timing>
+</p:sld>
+</file>
+
+<file path=ppt/slides/slide7.xml><?xml version="1.0" encoding="utf-8"?>
+<p:sld xmlns:a="http://schemas.openxmlformats.org/drawingml/2006/main" xmlns:r="http://schemas.openxmlformats.org/officeDocument/2006/relationships" xmlns:p="http://schemas.openxmlformats.org/presentationml/2006/main">
+  <p:cSld>
+    <p:spTree>
+      <p:nvGrpSpPr>
+        <p:cNvPr id="1" name=""/>
+        <p:cNvGrpSpPr/>
+        <p:nvPr/>
+      </p:nvGrpSpPr>
+      <p:grpSpPr>
+        <a:xfrm>
+          <a:off x="0" y="0"/>
+          <a:ext cx="0" cy="0"/>
+          <a:chOff x="0" y="0"/>
+          <a:chExt cx="0" cy="0"/>
+        </a:xfrm>
+      </p:grpSpPr>
+      <p:sp>
+        <p:nvSpPr>
+          <p:cNvPr id="2" name="Title 1"/>
+          <p:cNvSpPr>
+            <a:spLocks noGrp="1"/>
+          </p:cNvSpPr>
+          <p:nvPr>
+            <p:ph type="title"/>
+          </p:nvPr>
+        </p:nvSpPr>
+        <p:spPr/>
+        <p:txBody>
+          <a:bodyPr/>
+          <a:lstStyle/>
+          <a:p>
+            <a:r>
+              <a:rPr lang="en-GB" dirty="0" err="1" smtClean="0"/>
+              <a:t>Gruppesamarbejde</a:t>
+            </a:r>
+            <a:endParaRPr lang="en-GB" dirty="0"/>
+          </a:p>
+        </p:txBody>
+      </p:sp>
+      <p:pic>
+        <p:nvPicPr>
+          <p:cNvPr id="4" name="Content Placeholder 3"/>
+          <p:cNvPicPr>
+            <a:picLocks noGrp="1" noChangeAspect="1"/>
+          </p:cNvPicPr>
+          <p:nvPr>
+            <p:ph idx="1"/>
+          </p:nvPr>
+        </p:nvPicPr>
+        <p:blipFill>
+          <a:blip r:embed="rId2"/>
+          <a:stretch>
+            <a:fillRect/>
+          </a:stretch>
+        </p:blipFill>
+        <p:spPr>
+          <a:xfrm>
+            <a:off x="1009396" y="3654259"/>
+            <a:ext cx="9787094" cy="1393229"/>
+          </a:xfrm>
+          <a:prstGeom prst="rect">
+            <a:avLst/>
+          </a:prstGeom>
+        </p:spPr>
+      </p:pic>
+    </p:spTree>
+    <p:extLst>
+      <p:ext uri="{BB962C8B-B14F-4D97-AF65-F5344CB8AC3E}">
+        <p14:creationId xmlns:p14="http://schemas.microsoft.com/office/powerpoint/2010/main" val="2977613611"/>
+      </p:ext>
+    </p:extLst>
+  </p:cSld>
+  <p:clrMapOvr>
+    <a:masterClrMapping/>
+  </p:clrMapOvr>
+  <p:timing>
+    <p:tnLst>
+      <p:par>
+        <p:cTn id="1" dur="indefinite" restart="never" nodeType="tmRoot">
+          <p:childTnLst>
+            <p:seq concurrent="1" nextAc="seek">
+              <p:cTn id="2" dur="indefinite" nodeType="mainSeq">
+                <p:childTnLst>
+                  <p:par>
+                    <p:cTn id="3" fill="hold">
+                      <p:stCondLst>
+                        <p:cond delay="indefinite"/>
+                      </p:stCondLst>
+                      <p:childTnLst>
+                        <p:par>
+                          <p:cTn id="4" fill="hold">
+                            <p:stCondLst>
+                              <p:cond delay="0"/>
+                            </p:stCondLst>
+                            <p:childTnLst>
+                              <p:par>
+                                <p:cTn id="5" presetID="1" presetClass="entr" presetSubtype="0" fill="hold" nodeType="clickEffect">
+                                  <p:stCondLst>
+                                    <p:cond delay="0"/>
+                                  </p:stCondLst>
+                                  <p:childTnLst>
+                                    <p:set>
+                                      <p:cBhvr>
+                                        <p:cTn id="6" dur="1" fill="hold">
+                                          <p:stCondLst>
+                                            <p:cond delay="0"/>
+                                          </p:stCondLst>
+                                        </p:cTn>
+                                        <p:tgtEl>
+                                          <p:spTgt spid="4"/>
+                                        </p:tgtEl>
+                                        <p:attrNameLst>
+                                          <p:attrName>style.visibility</p:attrName>
+                                        </p:attrNameLst>
+                                      </p:cBhvr>
+                                      <p:to>
+                                        <p:strVal val="visible"/>
+                                      </p:to>
+                                    </p:set>
+                                  </p:childTnLst>
+                                </p:cTn>
+                              </p:par>
+                            </p:childTnLst>
+                          </p:cTn>
+                        </p:par>
+                      </p:childTnLst>
+                    </p:cTn>
+                  </p:par>
+                </p:childTnLst>
+              </p:cTn>
+              <p:prevCondLst>
+                <p:cond evt="onPrev" delay="0">
+                  <p:tgtEl>
+                    <p:sldTgt/>
+                  </p:tgtEl>
+                </p:cond>
+              </p:prevCondLst>
+              <p:nextCondLst>
+                <p:cond evt="onNext" delay="0">
+                  <p:tgtEl>
+                    <p:sldTgt/>
+                  </p:tgtEl>
+                </p:cond>
+              </p:nextCondLst>
+            </p:seq>
+          </p:childTnLst>
+        </p:cTn>
+      </p:par>
+    </p:tnLst>
+  </p:timing>
+</p:sld>
+</file>
+
+<file path=ppt/slides/slide8.xml><?xml version="1.0" encoding="utf-8"?>
+<p:sld xmlns:a="http://schemas.openxmlformats.org/drawingml/2006/main" xmlns:r="http://schemas.openxmlformats.org/officeDocument/2006/relationships" xmlns:p="http://schemas.openxmlformats.org/presentationml/2006/main">
+  <p:cSld>
+    <p:spTree>
+      <p:nvGrpSpPr>
+        <p:cNvPr id="1" name=""/>
+        <p:cNvGrpSpPr/>
+        <p:nvPr/>
+      </p:nvGrpSpPr>
+      <p:grpSpPr>
+        <a:xfrm>
+          <a:off x="0" y="0"/>
+          <a:ext cx="0" cy="0"/>
+          <a:chOff x="0" y="0"/>
+          <a:chExt cx="0" cy="0"/>
+        </a:xfrm>
+      </p:grpSpPr>
+      <p:sp>
+        <p:nvSpPr>
+          <p:cNvPr id="2" name="Title 1"/>
+          <p:cNvSpPr>
+            <a:spLocks noGrp="1"/>
+          </p:cNvSpPr>
+          <p:nvPr>
+            <p:ph type="title"/>
+          </p:nvPr>
+        </p:nvSpPr>
+        <p:spPr/>
+        <p:txBody>
+          <a:bodyPr/>
+          <a:lstStyle/>
+          <a:p>
+            <a:r>
+              <a:rPr lang="en-GB" dirty="0" smtClean="0"/>
+              <a:t>Rapport </a:t>
+            </a:r>
+            <a:r>
+              <a:rPr lang="en-GB" dirty="0" err="1" smtClean="0"/>
+              <a:t>Strukturering</a:t>
+            </a:r>
+            <a:endParaRPr lang="en-GB" dirty="0"/>
+          </a:p>
+        </p:txBody>
+      </p:sp>
+      <p:pic>
+        <p:nvPicPr>
+          <p:cNvPr id="1026" name="Picture 2" descr="https://photos-6.dropbox.com/t/2/AADN5_0XIMidOWQBipnCmNbXJKfgiXPr3b5lRB9dzcPHVA/12/4434007/jpeg/32x32/1/1443088800/0/2/2015-09-21%2011.11.58.jpg/CNfQjgIgASACIAMgBCAFIAYgBygC/bWS5dIWIlPVCrz2WRLbTAe3e8ZZK5-I3lmwtA288Q5o?size_mode=5"/>
+          <p:cNvPicPr>
+            <a:picLocks noGrp="1" noChangeAspect="1" noChangeArrowheads="1"/>
+          </p:cNvPicPr>
+          <p:nvPr>
+            <p:ph idx="1"/>
+          </p:nvPr>
+        </p:nvPicPr>
+        <p:blipFill rotWithShape="1">
+          <a:blip r:embed="rId2">
+            <a:extLst>
+              <a:ext uri="{28A0092B-C50C-407E-A947-70E740481C1C}">
+                <a14:useLocalDpi xmlns:a14="http://schemas.microsoft.com/office/drawing/2010/main" val="0"/>
+              </a:ext>
+            </a:extLst>
+          </a:blip>
+          <a:srcRect l="21859" t="14154" r="31647" b="9656"/>
+          <a:stretch/>
+        </p:blipFill>
+        <p:spPr bwMode="auto">
+          <a:xfrm>
+            <a:off x="3166242" y="2349004"/>
+            <a:ext cx="4803082" cy="4427353"/>
+          </a:xfrm>
+          <a:prstGeom prst="rect">
+            <a:avLst/>
+          </a:prstGeom>
+          <a:noFill/>
+          <a:extLst>
+            <a:ext uri="{909E8E84-426E-40DD-AFC4-6F175D3DCCD1}">
+              <a14:hiddenFill xmlns:a14="http://schemas.microsoft.com/office/drawing/2010/main">
+                <a:solidFill>
+                  <a:srgbClr val="FFFFFF"/>
+                </a:solidFill>
+              </a14:hiddenFill>
+            </a:ext>
+          </a:extLst>
+        </p:spPr>
+      </p:pic>
+    </p:spTree>
+    <p:extLst>
+      <p:ext uri="{BB962C8B-B14F-4D97-AF65-F5344CB8AC3E}">
+        <p14:creationId xmlns:p14="http://schemas.microsoft.com/office/powerpoint/2010/main" val="2279466709"/>
+      </p:ext>
+    </p:extLst>
+  </p:cSld>
+  <p:clrMapOvr>
+    <a:masterClrMapping/>
+  </p:clrMapOvr>
+  <p:timing>
+    <p:tnLst>
+      <p:par>
+        <p:cTn id="1" dur="indefinite" restart="never" nodeType="tmRoot">
+          <p:childTnLst>
+            <p:seq concurrent="1" nextAc="seek">
+              <p:cTn id="2" dur="indefinite" nodeType="mainSeq">
+                <p:childTnLst>
+                  <p:par>
+                    <p:cTn id="3" fill="hold">
+                      <p:stCondLst>
+                        <p:cond delay="indefinite"/>
+                      </p:stCondLst>
+                      <p:childTnLst>
+                        <p:par>
+                          <p:cTn id="4" fill="hold">
+                            <p:stCondLst>
+                              <p:cond delay="0"/>
+                            </p:stCondLst>
+                            <p:childTnLst>
+                              <p:par>
+                                <p:cTn id="5" presetID="1" presetClass="entr" presetSubtype="0" fill="hold" nodeType="clickEffect">
+                                  <p:stCondLst>
+                                    <p:cond delay="0"/>
+                                  </p:stCondLst>
+                                  <p:childTnLst>
+                                    <p:set>
+                                      <p:cBhvr>
+                                        <p:cTn id="6" dur="1" fill="hold">
+                                          <p:stCondLst>
+                                            <p:cond delay="0"/>
+                                          </p:stCondLst>
+                                        </p:cTn>
+                                        <p:tgtEl>
+                                          <p:spTgt spid="1026"/>
+                                        </p:tgtEl>
+                                        <p:attrNameLst>
+                                          <p:attrName>style.visibility</p:attrName>
+                                        </p:attrNameLst>
+                                      </p:cBhvr>
+                                      <p:to>
+                                        <p:strVal val="visible"/>
+                                      </p:to>
+                                    </p:set>
+                                  </p:childTnLst>
+                                </p:cTn>
+                              </p:par>
+                            </p:childTnLst>
+                          </p:cTn>
+                        </p:par>
+                      </p:childTnLst>
+                    </p:cTn>
+                  </p:par>
+                </p:childTnLst>
+              </p:cTn>
+              <p:prevCondLst>
+                <p:cond evt="onPrev" delay="0">
+                  <p:tgtEl>
+                    <p:sldTgt/>
+                  </p:tgtEl>
+                </p:cond>
+              </p:prevCondLst>
+              <p:nextCondLst>
+                <p:cond evt="onNext" delay="0">
+                  <p:tgtEl>
+                    <p:sldTgt/>
+                  </p:tgtEl>
+                </p:cond>
+              </p:nextCondLst>
+            </p:seq>
+          </p:childTnLst>
+        </p:cTn>
+      </p:par>
+    </p:tnLst>
+  </p:timing>
+</p:sld>
+</file>
+
+<file path=ppt/slides/slide9.xml><?xml version="1.0" encoding="utf-8"?>
+<p:sld xmlns:a="http://schemas.openxmlformats.org/drawingml/2006/main" xmlns:r="http://schemas.openxmlformats.org/officeDocument/2006/relationships" xmlns:p="http://schemas.openxmlformats.org/presentationml/2006/main">
+  <p:cSld>
+    <p:spTree>
+      <p:nvGrpSpPr>
+        <p:cNvPr id="1" name=""/>
+        <p:cNvGrpSpPr/>
+        <p:nvPr/>
+      </p:nvGrpSpPr>
+      <p:grpSpPr>
+        <a:xfrm>
+          <a:off x="0" y="0"/>
+          <a:ext cx="0" cy="0"/>
+          <a:chOff x="0" y="0"/>
+          <a:chExt cx="0" cy="0"/>
+        </a:xfrm>
+      </p:grpSpPr>
+      <p:sp>
+        <p:nvSpPr>
+          <p:cNvPr id="2" name="Title 1"/>
+          <p:cNvSpPr>
+            <a:spLocks noGrp="1"/>
+          </p:cNvSpPr>
+          <p:nvPr>
+            <p:ph type="title"/>
+          </p:nvPr>
+        </p:nvSpPr>
+        <p:spPr/>
+        <p:txBody>
+          <a:bodyPr/>
+          <a:lstStyle/>
+          <a:p>
+            <a:r>
+              <a:rPr lang="en-GB" dirty="0" err="1" smtClean="0"/>
               <a:t>Uklarede</a:t>
             </a:r>
             <a:r>
@@ -13209,6 +13784,13 @@
   <p:clrMapOvr>
     <a:masterClrMapping/>
   </p:clrMapOvr>
+  <p:timing>
+    <p:tnLst>
+      <p:par>
+        <p:cTn id="1" dur="indefinite" restart="never" nodeType="tmRoot"/>
+      </p:par>
+    </p:tnLst>
+  </p:timing>
 </p:sld>
 </file>
 
